--- a/Project Proposal_Team 5.pptx
+++ b/Project Proposal_Team 5.pptx
@@ -224,7 +224,7 @@
           <a:p>
             <a:fld id="{6A671D42-D001-41DA-887B-5B9B43A68AF3}" type="datetimeFigureOut">
               <a:rPr lang="zh-CN" altLang="en-US" smtClean="0"/>
-              <a:t>2020/3/18</a:t>
+              <a:t>2020/3/22</a:t>
             </a:fld>
             <a:endParaRPr lang="zh-CN" altLang="en-US"/>
           </a:p>
@@ -1599,7 +1599,7 @@
           <a:p>
             <a:fld id="{530820CF-B880-4189-942D-D702A7CBA730}" type="datetimeFigureOut">
               <a:rPr lang="zh-CN" altLang="en-US" smtClean="0"/>
-              <a:t>2020/3/18</a:t>
+              <a:t>2020/3/22</a:t>
             </a:fld>
             <a:endParaRPr lang="zh-CN" altLang="en-US"/>
           </a:p>
@@ -1762,7 +1762,7 @@
           <a:p>
             <a:fld id="{530820CF-B880-4189-942D-D702A7CBA730}" type="datetimeFigureOut">
               <a:rPr lang="zh-CN" altLang="en-US" smtClean="0"/>
-              <a:t>2020/3/18</a:t>
+              <a:t>2020/3/22</a:t>
             </a:fld>
             <a:endParaRPr lang="zh-CN" altLang="en-US"/>
           </a:p>
@@ -1935,7 +1935,7 @@
           <a:p>
             <a:fld id="{530820CF-B880-4189-942D-D702A7CBA730}" type="datetimeFigureOut">
               <a:rPr lang="zh-CN" altLang="en-US" smtClean="0"/>
-              <a:t>2020/3/18</a:t>
+              <a:t>2020/3/22</a:t>
             </a:fld>
             <a:endParaRPr lang="zh-CN" altLang="en-US"/>
           </a:p>
@@ -2098,7 +2098,7 @@
           <a:p>
             <a:fld id="{530820CF-B880-4189-942D-D702A7CBA730}" type="datetimeFigureOut">
               <a:rPr lang="zh-CN" altLang="en-US" smtClean="0"/>
-              <a:t>2020/3/18</a:t>
+              <a:t>2020/3/22</a:t>
             </a:fld>
             <a:endParaRPr lang="zh-CN" altLang="en-US"/>
           </a:p>
@@ -2338,7 +2338,7 @@
           <a:p>
             <a:fld id="{530820CF-B880-4189-942D-D702A7CBA730}" type="datetimeFigureOut">
               <a:rPr lang="zh-CN" altLang="en-US" smtClean="0"/>
-              <a:t>2020/3/18</a:t>
+              <a:t>2020/3/22</a:t>
             </a:fld>
             <a:endParaRPr lang="zh-CN" altLang="en-US"/>
           </a:p>
@@ -2618,7 +2618,7 @@
           <a:p>
             <a:fld id="{530820CF-B880-4189-942D-D702A7CBA730}" type="datetimeFigureOut">
               <a:rPr lang="zh-CN" altLang="en-US" smtClean="0"/>
-              <a:t>2020/3/18</a:t>
+              <a:t>2020/3/22</a:t>
             </a:fld>
             <a:endParaRPr lang="zh-CN" altLang="en-US"/>
           </a:p>
@@ -3032,7 +3032,7 @@
           <a:p>
             <a:fld id="{530820CF-B880-4189-942D-D702A7CBA730}" type="datetimeFigureOut">
               <a:rPr lang="zh-CN" altLang="en-US" smtClean="0"/>
-              <a:t>2020/3/18</a:t>
+              <a:t>2020/3/22</a:t>
             </a:fld>
             <a:endParaRPr lang="zh-CN" altLang="en-US"/>
           </a:p>
@@ -3144,7 +3144,7 @@
           <a:p>
             <a:fld id="{530820CF-B880-4189-942D-D702A7CBA730}" type="datetimeFigureOut">
               <a:rPr lang="zh-CN" altLang="en-US" smtClean="0"/>
-              <a:t>2020/3/18</a:t>
+              <a:t>2020/3/22</a:t>
             </a:fld>
             <a:endParaRPr lang="zh-CN" altLang="en-US"/>
           </a:p>
@@ -3234,7 +3234,7 @@
           <a:p>
             <a:fld id="{530820CF-B880-4189-942D-D702A7CBA730}" type="datetimeFigureOut">
               <a:rPr lang="zh-CN" altLang="en-US" smtClean="0"/>
-              <a:t>2020/3/18</a:t>
+              <a:t>2020/3/22</a:t>
             </a:fld>
             <a:endParaRPr lang="zh-CN" altLang="en-US"/>
           </a:p>
@@ -3504,7 +3504,7 @@
           <a:p>
             <a:fld id="{530820CF-B880-4189-942D-D702A7CBA730}" type="datetimeFigureOut">
               <a:rPr lang="zh-CN" altLang="en-US" smtClean="0"/>
-              <a:t>2020/3/18</a:t>
+              <a:t>2020/3/22</a:t>
             </a:fld>
             <a:endParaRPr lang="zh-CN" altLang="en-US"/>
           </a:p>
@@ -3751,7 +3751,7 @@
           <a:p>
             <a:fld id="{530820CF-B880-4189-942D-D702A7CBA730}" type="datetimeFigureOut">
               <a:rPr lang="zh-CN" altLang="en-US" smtClean="0"/>
-              <a:t>2020/3/18</a:t>
+              <a:t>2020/3/22</a:t>
             </a:fld>
             <a:endParaRPr lang="zh-CN" altLang="en-US"/>
           </a:p>
@@ -3957,7 +3957,7 @@
           <a:p>
             <a:fld id="{530820CF-B880-4189-942D-D702A7CBA730}" type="datetimeFigureOut">
               <a:rPr lang="zh-CN" altLang="en-US" smtClean="0"/>
-              <a:t>2020/3/18</a:t>
+              <a:t>2020/3/22</a:t>
             </a:fld>
             <a:endParaRPr lang="zh-CN" altLang="en-US"/>
           </a:p>
@@ -6051,7 +6051,7 @@
               <a:effectLst/>
               <a:extLst>
                 <a:ext uri="{C572A759-6A51-4108-AA02-DFA0A04FC94B}">
-                  <ma14:wrappingTextBoxFlag xmlns:ma14="http://schemas.microsoft.com/office/mac/drawingml/2011/main" xmlns="" val="1"/>
+                  <ma14:wrappingTextBoxFlag xmlns="" xmlns:ma14="http://schemas.microsoft.com/office/mac/drawingml/2011/main" val="1"/>
                 </a:ext>
               </a:extLst>
             </p:spPr>
@@ -6115,7 +6115,7 @@
                     <a:cs typeface="Roboto condensed"/>
                     <a:sym typeface="Roboto condensed"/>
                   </a:rPr>
-                  <a:t>3.15</a:t>
+                  <a:t>3.20</a:t>
                 </a:r>
               </a:p>
             </p:txBody>
@@ -6245,7 +6245,7 @@
             <a:effectLst/>
             <a:extLst>
               <a:ext uri="{C572A759-6A51-4108-AA02-DFA0A04FC94B}">
-                <ma14:wrappingTextBoxFlag xmlns:ma14="http://schemas.microsoft.com/office/mac/drawingml/2011/main" xmlns="" val="1"/>
+                <ma14:wrappingTextBoxFlag xmlns="" xmlns:ma14="http://schemas.microsoft.com/office/mac/drawingml/2011/main" val="1"/>
               </a:ext>
             </a:extLst>
           </p:spPr>
@@ -6479,7 +6479,7 @@
               <a:effectLst/>
               <a:extLst>
                 <a:ext uri="{C572A759-6A51-4108-AA02-DFA0A04FC94B}">
-                  <ma14:wrappingTextBoxFlag xmlns:ma14="http://schemas.microsoft.com/office/mac/drawingml/2011/main" xmlns="" val="1"/>
+                  <ma14:wrappingTextBoxFlag xmlns="" xmlns:ma14="http://schemas.microsoft.com/office/mac/drawingml/2011/main" val="1"/>
                 </a:ext>
               </a:extLst>
             </p:spPr>
@@ -6543,7 +6543,7 @@
                     <a:cs typeface="Roboto condensed"/>
                     <a:sym typeface="Roboto condensed"/>
                   </a:rPr>
-                  <a:t>3.22</a:t>
+                  <a:t>3.27</a:t>
                 </a:r>
                 <a:endParaRPr sz="2000" kern="0" dirty="0">
                   <a:solidFill>
@@ -6687,7 +6687,7 @@
             <a:effectLst/>
             <a:extLst>
               <a:ext uri="{C572A759-6A51-4108-AA02-DFA0A04FC94B}">
-                <ma14:wrappingTextBoxFlag xmlns:ma14="http://schemas.microsoft.com/office/mac/drawingml/2011/main" xmlns="" val="1"/>
+                <ma14:wrappingTextBoxFlag xmlns="" xmlns:ma14="http://schemas.microsoft.com/office/mac/drawingml/2011/main" val="1"/>
               </a:ext>
             </a:extLst>
           </p:spPr>
@@ -6921,7 +6921,7 @@
               <a:effectLst/>
               <a:extLst>
                 <a:ext uri="{C572A759-6A51-4108-AA02-DFA0A04FC94B}">
-                  <ma14:wrappingTextBoxFlag xmlns:ma14="http://schemas.microsoft.com/office/mac/drawingml/2011/main" xmlns="" val="1"/>
+                  <ma14:wrappingTextBoxFlag xmlns="" xmlns:ma14="http://schemas.microsoft.com/office/mac/drawingml/2011/main" val="1"/>
                 </a:ext>
               </a:extLst>
             </p:spPr>
@@ -6985,7 +6985,7 @@
                     <a:cs typeface="Roboto condensed"/>
                     <a:sym typeface="Roboto condensed"/>
                   </a:rPr>
-                  <a:t>3.29</a:t>
+                  <a:t>4.3</a:t>
                 </a:r>
                 <a:endParaRPr sz="2000" kern="0" dirty="0">
                   <a:solidFill>
@@ -7129,7 +7129,7 @@
             <a:effectLst/>
             <a:extLst>
               <a:ext uri="{C572A759-6A51-4108-AA02-DFA0A04FC94B}">
-                <ma14:wrappingTextBoxFlag xmlns:ma14="http://schemas.microsoft.com/office/mac/drawingml/2011/main" xmlns="" val="1"/>
+                <ma14:wrappingTextBoxFlag xmlns="" xmlns:ma14="http://schemas.microsoft.com/office/mac/drawingml/2011/main" val="1"/>
               </a:ext>
             </a:extLst>
           </p:spPr>
@@ -7377,7 +7377,7 @@
                 <a:effectLst/>
                 <a:extLst>
                   <a:ext uri="{C572A759-6A51-4108-AA02-DFA0A04FC94B}">
-                    <ma14:wrappingTextBoxFlag xmlns:ma14="http://schemas.microsoft.com/office/mac/drawingml/2011/main" xmlns="" val="1"/>
+                    <ma14:wrappingTextBoxFlag xmlns="" xmlns:ma14="http://schemas.microsoft.com/office/mac/drawingml/2011/main" val="1"/>
                   </a:ext>
                 </a:extLst>
               </p:spPr>
@@ -7441,7 +7441,7 @@
                       <a:cs typeface="Roboto condensed"/>
                       <a:sym typeface="Roboto condensed"/>
                     </a:rPr>
-                    <a:t>4.5</a:t>
+                    <a:t>4.10</a:t>
                   </a:r>
                   <a:endParaRPr sz="2000" kern="0" dirty="0">
                     <a:solidFill>
@@ -7586,7 +7586,7 @@
             <a:effectLst/>
             <a:extLst>
               <a:ext uri="{C572A759-6A51-4108-AA02-DFA0A04FC94B}">
-                <ma14:wrappingTextBoxFlag xmlns:ma14="http://schemas.microsoft.com/office/mac/drawingml/2011/main" xmlns="" val="1"/>
+                <ma14:wrappingTextBoxFlag xmlns="" xmlns:ma14="http://schemas.microsoft.com/office/mac/drawingml/2011/main" val="1"/>
               </a:ext>
             </a:extLst>
           </p:spPr>
@@ -7677,7 +7677,7 @@
           </a:ln>
           <a:extLst>
             <a:ext uri="{C572A759-6A51-4108-AA02-DFA0A04FC94B}">
-              <ma14:wrappingTextBoxFlag xmlns:ma14="http://schemas.microsoft.com/office/mac/drawingml/2011/main" xmlns="" val="1"/>
+              <ma14:wrappingTextBoxFlag xmlns="" xmlns:ma14="http://schemas.microsoft.com/office/mac/drawingml/2011/main" val="1"/>
             </a:ext>
           </a:extLst>
         </p:spPr>
